--- a/python-programming-basics/PythonProgrammingWorkshop.pptx
+++ b/python-programming-basics/PythonProgrammingWorkshop.pptx
@@ -266,7 +266,7 @@
           <a:p>
             <a:fld id="{FF170960-86DE-4302-99A5-BBB73CAB79AB}" type="datetimeFigureOut">
               <a:rPr lang="en-US" smtClean="0"/>
-              <a:t>10/6/2014</a:t>
+              <a:t>10/8/2014</a:t>
             </a:fld>
             <a:endParaRPr lang="en-US"/>
           </a:p>
@@ -436,7 +436,7 @@
           <a:p>
             <a:fld id="{FF170960-86DE-4302-99A5-BBB73CAB79AB}" type="datetimeFigureOut">
               <a:rPr lang="en-US" smtClean="0"/>
-              <a:t>10/6/2014</a:t>
+              <a:t>10/8/2014</a:t>
             </a:fld>
             <a:endParaRPr lang="en-US"/>
           </a:p>
@@ -616,7 +616,7 @@
           <a:p>
             <a:fld id="{FF170960-86DE-4302-99A5-BBB73CAB79AB}" type="datetimeFigureOut">
               <a:rPr lang="en-US" smtClean="0"/>
-              <a:t>10/6/2014</a:t>
+              <a:t>10/8/2014</a:t>
             </a:fld>
             <a:endParaRPr lang="en-US"/>
           </a:p>
@@ -786,7 +786,7 @@
           <a:p>
             <a:fld id="{FF170960-86DE-4302-99A5-BBB73CAB79AB}" type="datetimeFigureOut">
               <a:rPr lang="en-US" smtClean="0"/>
-              <a:t>10/6/2014</a:t>
+              <a:t>10/8/2014</a:t>
             </a:fld>
             <a:endParaRPr lang="en-US"/>
           </a:p>
@@ -1032,7 +1032,7 @@
           <a:p>
             <a:fld id="{FF170960-86DE-4302-99A5-BBB73CAB79AB}" type="datetimeFigureOut">
               <a:rPr lang="en-US" smtClean="0"/>
-              <a:t>10/6/2014</a:t>
+              <a:t>10/8/2014</a:t>
             </a:fld>
             <a:endParaRPr lang="en-US"/>
           </a:p>
@@ -1264,7 +1264,7 @@
           <a:p>
             <a:fld id="{FF170960-86DE-4302-99A5-BBB73CAB79AB}" type="datetimeFigureOut">
               <a:rPr lang="en-US" smtClean="0"/>
-              <a:t>10/6/2014</a:t>
+              <a:t>10/8/2014</a:t>
             </a:fld>
             <a:endParaRPr lang="en-US"/>
           </a:p>
@@ -1631,7 +1631,7 @@
           <a:p>
             <a:fld id="{FF170960-86DE-4302-99A5-BBB73CAB79AB}" type="datetimeFigureOut">
               <a:rPr lang="en-US" smtClean="0"/>
-              <a:t>10/6/2014</a:t>
+              <a:t>10/8/2014</a:t>
             </a:fld>
             <a:endParaRPr lang="en-US"/>
           </a:p>
@@ -1749,7 +1749,7 @@
           <a:p>
             <a:fld id="{FF170960-86DE-4302-99A5-BBB73CAB79AB}" type="datetimeFigureOut">
               <a:rPr lang="en-US" smtClean="0"/>
-              <a:t>10/6/2014</a:t>
+              <a:t>10/8/2014</a:t>
             </a:fld>
             <a:endParaRPr lang="en-US"/>
           </a:p>
@@ -1844,7 +1844,7 @@
           <a:p>
             <a:fld id="{FF170960-86DE-4302-99A5-BBB73CAB79AB}" type="datetimeFigureOut">
               <a:rPr lang="en-US" smtClean="0"/>
-              <a:t>10/6/2014</a:t>
+              <a:t>10/8/2014</a:t>
             </a:fld>
             <a:endParaRPr lang="en-US"/>
           </a:p>
@@ -2121,7 +2121,7 @@
           <a:p>
             <a:fld id="{FF170960-86DE-4302-99A5-BBB73CAB79AB}" type="datetimeFigureOut">
               <a:rPr lang="en-US" smtClean="0"/>
-              <a:t>10/6/2014</a:t>
+              <a:t>10/8/2014</a:t>
             </a:fld>
             <a:endParaRPr lang="en-US"/>
           </a:p>
@@ -2374,7 +2374,7 @@
           <a:p>
             <a:fld id="{FF170960-86DE-4302-99A5-BBB73CAB79AB}" type="datetimeFigureOut">
               <a:rPr lang="en-US" smtClean="0"/>
-              <a:t>10/6/2014</a:t>
+              <a:t>10/8/2014</a:t>
             </a:fld>
             <a:endParaRPr lang="en-US"/>
           </a:p>
@@ -2587,7 +2587,7 @@
           <a:p>
             <a:fld id="{FF170960-86DE-4302-99A5-BBB73CAB79AB}" type="datetimeFigureOut">
               <a:rPr lang="en-US" smtClean="0"/>
-              <a:t>10/6/2014</a:t>
+              <a:t>10/8/2014</a:t>
             </a:fld>
             <a:endParaRPr lang="en-US"/>
           </a:p>
@@ -3065,27 +3065,7 @@
                 <a:latin typeface="Ubuntu Light" panose="020B0604030602030204" pitchFamily="34" charset="0"/>
                 <a:cs typeface="Times New Roman" panose="02020603050405020304" pitchFamily="18" charset="0"/>
               </a:rPr>
-              <a:t>Python </a:t>
-            </a:r>
-            <a:r>
-              <a:rPr lang="en-US" sz="5000" dirty="0" smtClean="0">
-                <a:solidFill>
-                  <a:schemeClr val="bg1"/>
-                </a:solidFill>
-                <a:latin typeface="Ubuntu Light" panose="020B0604030602030204" pitchFamily="34" charset="0"/>
-                <a:cs typeface="Times New Roman" panose="02020603050405020304" pitchFamily="18" charset="0"/>
-              </a:rPr>
-              <a:t>Programming </a:t>
-            </a:r>
-            <a:r>
-              <a:rPr lang="en-US" sz="5000" dirty="0" smtClean="0">
-                <a:solidFill>
-                  <a:schemeClr val="bg1"/>
-                </a:solidFill>
-                <a:latin typeface="Ubuntu Light" panose="020B0604030602030204" pitchFamily="34" charset="0"/>
-                <a:cs typeface="Times New Roman" panose="02020603050405020304" pitchFamily="18" charset="0"/>
-              </a:rPr>
-              <a:t>Basics</a:t>
+              <a:t>Python Programming Basics</a:t>
             </a:r>
             <a:r>
               <a:rPr lang="en-US" dirty="0" smtClean="0">
@@ -3128,7 +3108,7 @@
         </p:nvSpPr>
         <p:spPr>
           <a:xfrm>
-            <a:off x="2908301" y="5385402"/>
+            <a:off x="2870201" y="5385402"/>
             <a:ext cx="3543299" cy="820454"/>
           </a:xfrm>
         </p:spPr>
@@ -3143,30 +3123,16 @@
                 <a:latin typeface="Ubuntu Light" panose="020B0604030602030204" pitchFamily="34" charset="0"/>
                 <a:cs typeface="Times New Roman" panose="02020603050405020304" pitchFamily="18" charset="0"/>
               </a:rPr>
-              <a:t>NU Robotics </a:t>
-            </a:r>
+              <a:t>NU Robotics Club </a:t>
+            </a:r>
+          </a:p>
+          <a:p>
             <a:r>
               <a:rPr lang="en-US" dirty="0" smtClean="0">
                 <a:latin typeface="Ubuntu Light" panose="020B0604030602030204" pitchFamily="34" charset="0"/>
                 <a:cs typeface="Times New Roman" panose="02020603050405020304" pitchFamily="18" charset="0"/>
               </a:rPr>
-              <a:t>Club </a:t>
-            </a:r>
-          </a:p>
-          <a:p>
-            <a:r>
-              <a:rPr lang="en-US" dirty="0" smtClean="0">
-                <a:latin typeface="Ubuntu Light" panose="020B0604030602030204" pitchFamily="34" charset="0"/>
-                <a:cs typeface="Times New Roman" panose="02020603050405020304" pitchFamily="18" charset="0"/>
-              </a:rPr>
-              <a:t>Software </a:t>
-            </a:r>
-            <a:r>
-              <a:rPr lang="en-US" dirty="0" smtClean="0">
-                <a:latin typeface="Ubuntu Light" panose="020B0604030602030204" pitchFamily="34" charset="0"/>
-                <a:cs typeface="Times New Roman" panose="02020603050405020304" pitchFamily="18" charset="0"/>
-              </a:rPr>
-              <a:t>Workshop Track</a:t>
+              <a:t>Software Workshop Track</a:t>
             </a:r>
             <a:endParaRPr lang="en-US" dirty="0">
               <a:latin typeface="Ubuntu Light" panose="020B0604030602030204" pitchFamily="34" charset="0"/>
@@ -3197,7 +3163,7 @@
         </p:blipFill>
         <p:spPr>
           <a:xfrm>
-            <a:off x="3808384" y="3642270"/>
+            <a:off x="3770284" y="3642270"/>
             <a:ext cx="1743132" cy="1743132"/>
           </a:xfrm>
           <a:prstGeom prst="rect">
@@ -3227,7 +3193,7 @@
         </p:blipFill>
         <p:spPr>
           <a:xfrm>
-            <a:off x="6451600" y="3804278"/>
+            <a:off x="6413500" y="3804278"/>
             <a:ext cx="2336800" cy="2336800"/>
           </a:xfrm>
           <a:prstGeom prst="rect">
@@ -4800,9 +4766,6 @@
               </a:rPr>
               <a:t>	#</a:t>
             </a:r>
-            <a:endParaRPr lang="en-US" dirty="0">
-              <a:latin typeface="Ubuntu Light" panose="020B0604030602030204" pitchFamily="34" charset="0"/>
-            </a:endParaRPr>
           </a:p>
         </p:txBody>
       </p:sp>
@@ -4875,9 +4838,6 @@
               </a:rPr>
               <a:t>	#</a:t>
             </a:r>
-            <a:endParaRPr lang="en-US" dirty="0">
-              <a:latin typeface="Ubuntu Light" panose="020B0604030602030204" pitchFamily="34" charset="0"/>
-            </a:endParaRPr>
           </a:p>
         </p:txBody>
       </p:sp>
@@ -6110,13 +6070,7 @@
               <a:rPr lang="en-US" sz="1200" dirty="0">
                 <a:latin typeface="Ubuntu Light" panose="020B0604030602030204" pitchFamily="34" charset="0"/>
               </a:rPr>
-              <a:t>      print </a:t>
-            </a:r>
-            <a:r>
-              <a:rPr lang="en-US" sz="1200" dirty="0">
-                <a:latin typeface="Ubuntu Light" panose="020B0604030602030204" pitchFamily="34" charset="0"/>
-              </a:rPr>
-              <a:t>'</a:t>
+              <a:t>      print '</a:t>
             </a:r>
             <a:r>
               <a:rPr lang="en-US" sz="1200" dirty="0" smtClean="0">
@@ -6153,57 +6107,137 @@
               <a:rPr lang="en-US" sz="1200" dirty="0">
                 <a:latin typeface="Ubuntu Light" panose="020B0604030602030204" pitchFamily="34" charset="0"/>
               </a:rPr>
-              <a:t>      print </a:t>
+              <a:t>      print '</a:t>
+            </a:r>
+            <a:r>
+              <a:rPr lang="en-US" sz="1200" dirty="0" smtClean="0">
+                <a:latin typeface="Ubuntu Light" panose="020B0604030602030204" pitchFamily="34" charset="0"/>
+              </a:rPr>
+              <a:t>Getting </a:t>
             </a:r>
             <a:r>
               <a:rPr lang="en-US" sz="1200" dirty="0">
                 <a:latin typeface="Ubuntu Light" panose="020B0604030602030204" pitchFamily="34" charset="0"/>
               </a:rPr>
+              <a:t>warmer...'</a:t>
+            </a:r>
+          </a:p>
+          <a:p>
+            <a:r>
+              <a:rPr lang="en-US" sz="1200" dirty="0" smtClean="0">
+                <a:latin typeface="Ubuntu Light" panose="020B0604030602030204" pitchFamily="34" charset="0"/>
+              </a:rPr>
+              <a:t>    </a:t>
+            </a:r>
+            <a:r>
+              <a:rPr lang="en-US" sz="1200" dirty="0" err="1">
+                <a:latin typeface="Ubuntu Light" panose="020B0604030602030204" pitchFamily="34" charset="0"/>
+              </a:rPr>
+              <a:t>elif</a:t>
+            </a:r>
+            <a:r>
+              <a:rPr lang="en-US" sz="1200" dirty="0">
+                <a:latin typeface="Ubuntu Light" panose="020B0604030602030204" pitchFamily="34" charset="0"/>
+              </a:rPr>
+              <a:t> diff &lt; 3</a:t>
+            </a:r>
+            <a:r>
+              <a:rPr lang="en-US" sz="1200" dirty="0" smtClean="0">
+                <a:latin typeface="Ubuntu Light" panose="020B0604030602030204" pitchFamily="34" charset="0"/>
+              </a:rPr>
+              <a:t>0</a:t>
+            </a:r>
+            <a:r>
+              <a:rPr lang="en-US" sz="1200" dirty="0">
+                <a:latin typeface="Ubuntu Light" panose="020B0604030602030204" pitchFamily="34" charset="0"/>
+              </a:rPr>
+              <a:t>:</a:t>
+            </a:r>
+          </a:p>
+          <a:p>
+            <a:r>
+              <a:rPr lang="en-US" sz="1200" dirty="0">
+                <a:latin typeface="Ubuntu Light" panose="020B0604030602030204" pitchFamily="34" charset="0"/>
+              </a:rPr>
+              <a:t>      print '</a:t>
+            </a:r>
+            <a:r>
+              <a:rPr lang="en-US" sz="1200" dirty="0" smtClean="0">
+                <a:latin typeface="Ubuntu Light" panose="020B0604030602030204" pitchFamily="34" charset="0"/>
+              </a:rPr>
+              <a:t>Meh...'</a:t>
+            </a:r>
+          </a:p>
+          <a:p>
+            <a:r>
+              <a:rPr lang="en-US" sz="1200" dirty="0">
+                <a:latin typeface="Ubuntu Light" panose="020B0604030602030204" pitchFamily="34" charset="0"/>
+              </a:rPr>
+              <a:t> </a:t>
+            </a:r>
+            <a:r>
+              <a:rPr lang="en-US" sz="1200" dirty="0" smtClean="0">
+                <a:latin typeface="Ubuntu Light" panose="020B0604030602030204" pitchFamily="34" charset="0"/>
+              </a:rPr>
+              <a:t>   else:</a:t>
+            </a:r>
+          </a:p>
+          <a:p>
+            <a:r>
+              <a:rPr lang="en-US" sz="1200" dirty="0" smtClean="0">
+                <a:latin typeface="Ubuntu Light" panose="020B0604030602030204" pitchFamily="34" charset="0"/>
+              </a:rPr>
+              <a:t>      </a:t>
+            </a:r>
+            <a:r>
+              <a:rPr lang="en-US" sz="1200" dirty="0">
+                <a:latin typeface="Ubuntu Light" panose="020B0604030602030204" pitchFamily="34" charset="0"/>
+              </a:rPr>
+              <a:t>print '</a:t>
+            </a:r>
+            <a:r>
+              <a:rPr lang="en-US" sz="1200" dirty="0" smtClean="0">
+                <a:latin typeface="Ubuntu Light" panose="020B0604030602030204" pitchFamily="34" charset="0"/>
+              </a:rPr>
+              <a:t>Cold</a:t>
+            </a:r>
+            <a:r>
+              <a:rPr lang="en-US" sz="1200" dirty="0">
+                <a:latin typeface="Ubuntu Light" panose="020B0604030602030204" pitchFamily="34" charset="0"/>
+              </a:rPr>
               <a:t>'</a:t>
             </a:r>
-            <a:r>
-              <a:rPr lang="en-US" sz="1200" dirty="0" smtClean="0">
-                <a:latin typeface="Ubuntu Light" panose="020B0604030602030204" pitchFamily="34" charset="0"/>
-              </a:rPr>
-              <a:t>Getting </a:t>
-            </a:r>
+          </a:p>
+          <a:p>
             <a:r>
               <a:rPr lang="en-US" sz="1200" dirty="0">
                 <a:latin typeface="Ubuntu Light" panose="020B0604030602030204" pitchFamily="34" charset="0"/>
               </a:rPr>
-              <a:t>warmer...'</a:t>
-            </a:r>
-          </a:p>
-          <a:p>
-            <a:r>
-              <a:rPr lang="en-US" sz="1200" dirty="0" smtClean="0">
-                <a:latin typeface="Ubuntu Light" panose="020B0604030602030204" pitchFamily="34" charset="0"/>
-              </a:rPr>
-              <a:t>    </a:t>
+              <a:t>    number = </a:t>
             </a:r>
             <a:r>
               <a:rPr lang="en-US" sz="1200" dirty="0" err="1">
                 <a:latin typeface="Ubuntu Light" panose="020B0604030602030204" pitchFamily="34" charset="0"/>
               </a:rPr>
-              <a:t>elif</a:t>
+              <a:t>int</a:t>
             </a:r>
             <a:r>
               <a:rPr lang="en-US" sz="1200" dirty="0">
                 <a:latin typeface="Ubuntu Light" panose="020B0604030602030204" pitchFamily="34" charset="0"/>
               </a:rPr>
-              <a:t> diff &lt; 3</a:t>
-            </a:r>
-            <a:r>
-              <a:rPr lang="en-US" sz="1200" dirty="0" smtClean="0">
-                <a:latin typeface="Ubuntu Light" panose="020B0604030602030204" pitchFamily="34" charset="0"/>
-              </a:rPr>
-              <a:t>0</a:t>
+              <a:t>(</a:t>
+            </a:r>
+            <a:r>
+              <a:rPr lang="en-US" sz="1200" dirty="0" err="1">
+                <a:latin typeface="Ubuntu Light" panose="020B0604030602030204" pitchFamily="34" charset="0"/>
+              </a:rPr>
+              <a:t>raw_input</a:t>
             </a:r>
             <a:r>
               <a:rPr lang="en-US" sz="1200" dirty="0">
                 <a:latin typeface="Ubuntu Light" panose="020B0604030602030204" pitchFamily="34" charset="0"/>
               </a:rPr>
-              <a:t>:</a:t>
+              <a:t>('Guess again: '))</a:t>
             </a:r>
           </a:p>
           <a:p>
@@ -6211,115 +6245,20 @@
               <a:rPr lang="en-US" sz="1200" dirty="0">
                 <a:latin typeface="Ubuntu Light" panose="020B0604030602030204" pitchFamily="34" charset="0"/>
               </a:rPr>
-              <a:t>      print '</a:t>
-            </a:r>
-            <a:r>
-              <a:rPr lang="en-US" sz="1200" dirty="0" smtClean="0">
-                <a:latin typeface="Ubuntu Light" panose="020B0604030602030204" pitchFamily="34" charset="0"/>
-              </a:rPr>
-              <a:t>Meh...'</a:t>
-            </a:r>
-          </a:p>
-          <a:p>
+              <a:t>  print '</a:t>
+            </a:r>
+            <a:r>
+              <a:rPr lang="en-US" sz="1200" dirty="0" err="1">
+                <a:latin typeface="Ubuntu Light" panose="020B0604030602030204" pitchFamily="34" charset="0"/>
+              </a:rPr>
+              <a:t>Yatta</a:t>
+            </a:r>
             <a:r>
               <a:rPr lang="en-US" sz="1200" dirty="0">
                 <a:latin typeface="Ubuntu Light" panose="020B0604030602030204" pitchFamily="34" charset="0"/>
               </a:rPr>
-              <a:t> </a:t>
-            </a:r>
-            <a:r>
-              <a:rPr lang="en-US" sz="1200" dirty="0" smtClean="0">
-                <a:latin typeface="Ubuntu Light" panose="020B0604030602030204" pitchFamily="34" charset="0"/>
-              </a:rPr>
-              <a:t>   else:</a:t>
-            </a:r>
-          </a:p>
-          <a:p>
-            <a:r>
-              <a:rPr lang="en-US" sz="1200" dirty="0" smtClean="0">
-                <a:latin typeface="Ubuntu Light" panose="020B0604030602030204" pitchFamily="34" charset="0"/>
-              </a:rPr>
-              <a:t>      </a:t>
-            </a:r>
-            <a:r>
-              <a:rPr lang="en-US" sz="1200" dirty="0">
-                <a:latin typeface="Ubuntu Light" panose="020B0604030602030204" pitchFamily="34" charset="0"/>
-              </a:rPr>
-              <a:t>print </a:t>
-            </a:r>
-            <a:r>
-              <a:rPr lang="en-US" sz="1200" dirty="0">
-                <a:latin typeface="Ubuntu Light" panose="020B0604030602030204" pitchFamily="34" charset="0"/>
-              </a:rPr>
-              <a:t>'</a:t>
-            </a:r>
-            <a:r>
-              <a:rPr lang="en-US" sz="1200" dirty="0" smtClean="0">
-                <a:latin typeface="Ubuntu Light" panose="020B0604030602030204" pitchFamily="34" charset="0"/>
-              </a:rPr>
-              <a:t>Cold</a:t>
-            </a:r>
-            <a:r>
-              <a:rPr lang="en-US" sz="1200" dirty="0">
-                <a:latin typeface="Ubuntu Light" panose="020B0604030602030204" pitchFamily="34" charset="0"/>
-              </a:rPr>
-              <a:t>'</a:t>
-            </a:r>
-          </a:p>
-          <a:p>
-            <a:r>
-              <a:rPr lang="en-US" sz="1200" dirty="0">
-                <a:latin typeface="Ubuntu Light" panose="020B0604030602030204" pitchFamily="34" charset="0"/>
-              </a:rPr>
-              <a:t>    number = </a:t>
-            </a:r>
-            <a:r>
-              <a:rPr lang="en-US" sz="1200" dirty="0" err="1">
-                <a:latin typeface="Ubuntu Light" panose="020B0604030602030204" pitchFamily="34" charset="0"/>
-              </a:rPr>
-              <a:t>int</a:t>
-            </a:r>
-            <a:r>
-              <a:rPr lang="en-US" sz="1200" dirty="0">
-                <a:latin typeface="Ubuntu Light" panose="020B0604030602030204" pitchFamily="34" charset="0"/>
-              </a:rPr>
-              <a:t>(</a:t>
-            </a:r>
-            <a:r>
-              <a:rPr lang="en-US" sz="1200" dirty="0" err="1">
-                <a:latin typeface="Ubuntu Light" panose="020B0604030602030204" pitchFamily="34" charset="0"/>
-              </a:rPr>
-              <a:t>raw_input</a:t>
-            </a:r>
-            <a:r>
-              <a:rPr lang="en-US" sz="1200" dirty="0">
-                <a:latin typeface="Ubuntu Light" panose="020B0604030602030204" pitchFamily="34" charset="0"/>
-              </a:rPr>
-              <a:t>('Guess again: '))</a:t>
-            </a:r>
-          </a:p>
-          <a:p>
-            <a:r>
-              <a:rPr lang="en-US" sz="1200" dirty="0">
-                <a:latin typeface="Ubuntu Light" panose="020B0604030602030204" pitchFamily="34" charset="0"/>
-              </a:rPr>
-              <a:t>  print '</a:t>
-            </a:r>
-            <a:r>
-              <a:rPr lang="en-US" sz="1200" dirty="0" err="1">
-                <a:latin typeface="Ubuntu Light" panose="020B0604030602030204" pitchFamily="34" charset="0"/>
-              </a:rPr>
-              <a:t>Yatta</a:t>
-            </a:r>
-            <a:r>
-              <a:rPr lang="en-US" sz="1200" dirty="0">
-                <a:latin typeface="Ubuntu Light" panose="020B0604030602030204" pitchFamily="34" charset="0"/>
-              </a:rPr>
               <a:t>! You got it!'</a:t>
             </a:r>
-            <a:endParaRPr lang="en-US" sz="1200" dirty="0">
-              <a:latin typeface="Ubuntu Light" panose="020B0604030602030204" pitchFamily="34" charset="0"/>
-            </a:endParaRPr>
           </a:p>
         </p:txBody>
       </p:sp>
@@ -7608,8 +7547,8 @@
         </p:nvSpPr>
         <p:spPr>
           <a:xfrm>
-            <a:off x="419100" y="1690688"/>
-            <a:ext cx="6324600" cy="3600986"/>
+            <a:off x="381374" y="1565275"/>
+            <a:ext cx="6324600" cy="4662815"/>
           </a:xfrm>
           <a:prstGeom prst="rect">
             <a:avLst/>
@@ -7623,44 +7562,44 @@
           <a:lstStyle/>
           <a:p>
             <a:r>
-              <a:rPr lang="en-US" sz="1200" dirty="0">
+              <a:rPr lang="en-US" sz="1100" dirty="0">
                 <a:latin typeface="Ubuntu Light" panose="020B0604030602030204" pitchFamily="34" charset="0"/>
               </a:rPr>
               <a:t>#!/</a:t>
             </a:r>
             <a:r>
-              <a:rPr lang="en-US" sz="1200" dirty="0" err="1">
+              <a:rPr lang="en-US" sz="1100" dirty="0" err="1">
                 <a:latin typeface="Ubuntu Light" panose="020B0604030602030204" pitchFamily="34" charset="0"/>
               </a:rPr>
               <a:t>usr</a:t>
             </a:r>
             <a:r>
-              <a:rPr lang="en-US" sz="1200" dirty="0">
+              <a:rPr lang="en-US" sz="1100" dirty="0">
                 <a:latin typeface="Ubuntu Light" panose="020B0604030602030204" pitchFamily="34" charset="0"/>
               </a:rPr>
               <a:t>/bin/</a:t>
             </a:r>
             <a:r>
-              <a:rPr lang="en-US" sz="1200" dirty="0" err="1">
+              <a:rPr lang="en-US" sz="1100" dirty="0" err="1">
                 <a:latin typeface="Ubuntu Light" panose="020B0604030602030204" pitchFamily="34" charset="0"/>
               </a:rPr>
               <a:t>env</a:t>
             </a:r>
             <a:r>
-              <a:rPr lang="en-US" sz="1200" dirty="0">
+              <a:rPr lang="en-US" sz="1100" dirty="0">
                 <a:latin typeface="Ubuntu Light" panose="020B0604030602030204" pitchFamily="34" charset="0"/>
               </a:rPr>
               <a:t> python</a:t>
             </a:r>
           </a:p>
           <a:p>
-            <a:endParaRPr lang="en-US" sz="1200" dirty="0">
+            <a:endParaRPr lang="en-US" sz="1100" dirty="0">
               <a:latin typeface="Ubuntu Light" panose="020B0604030602030204" pitchFamily="34" charset="0"/>
             </a:endParaRPr>
           </a:p>
           <a:p>
             <a:r>
-              <a:rPr lang="en-US" sz="1200" dirty="0">
+              <a:rPr lang="en-US" sz="1100" dirty="0">
                 <a:latin typeface="Ubuntu Light" panose="020B0604030602030204" pitchFamily="34" charset="0"/>
               </a:rPr>
               <a:t>if __name__ == '__main__':</a:t>
@@ -7668,27 +7607,43 @@
           </a:p>
           <a:p>
             <a:r>
-              <a:rPr lang="de-DE" sz="1200" dirty="0">
-                <a:latin typeface="Ubuntu Light" panose="020B0604030602030204" pitchFamily="34" charset="0"/>
-              </a:rPr>
-              <a:t>  english_lang = [8.167, 1.492, 2.782, 4.243, 12.702, 2.228, 2.015, 6.094, 6.966, 0.153, 0.772, 4.025, 2.406, 6.749, 7.507, 1.929, 0.095, 5.987, 6.327, 9.056, 2.758, 0.978, 2.360, 0.150, 1.974, 0.074]</a:t>
-            </a:r>
-          </a:p>
-          <a:p>
-            <a:r>
-              <a:rPr lang="en-US" sz="1200" dirty="0">
+              <a:rPr lang="de-DE" sz="1100" dirty="0">
+                <a:latin typeface="Ubuntu Light" panose="020B0604030602030204" pitchFamily="34" charset="0"/>
+              </a:rPr>
+              <a:t>  english_lang = [8.167, 1.492, 2.782, 4.243, 12.702, 2.228, 2.015, 6.094, 6.966, 0.153, 0.772, 4.025, 2.406, \</a:t>
+            </a:r>
+          </a:p>
+          <a:p>
+            <a:r>
+              <a:rPr lang="en-US" sz="1100" dirty="0">
+                <a:latin typeface="Ubuntu Light" panose="020B0604030602030204" pitchFamily="34" charset="0"/>
+              </a:rPr>
+              <a:t>                  6.749, 7.507, 1.929, 0.095, 5.987, 6.327, 9.056, 2.758, 0.978, 2.360, 0.150, 1.974, 0.074]</a:t>
+            </a:r>
+          </a:p>
+          <a:p>
+            <a:r>
+              <a:rPr lang="en-US" sz="1100" dirty="0">
+                <a:latin typeface="Ubuntu Light" panose="020B0604030602030204" pitchFamily="34" charset="0"/>
+              </a:rPr>
+              <a:t>  </a:t>
+            </a:r>
+          </a:p>
+          <a:p>
+            <a:r>
+              <a:rPr lang="en-US" sz="1100" dirty="0">
                 <a:latin typeface="Ubuntu Light" panose="020B0604030602030204" pitchFamily="34" charset="0"/>
               </a:rPr>
               <a:t>  f = open('</a:t>
             </a:r>
             <a:r>
-              <a:rPr lang="en-US" sz="1200" dirty="0" err="1">
-                <a:latin typeface="Ubuntu Light" panose="020B0604030602030204" pitchFamily="34" charset="0"/>
-              </a:rPr>
-              <a:t>textfile.txt','r</a:t>
-            </a:r>
-            <a:r>
-              <a:rPr lang="en-US" sz="1200" dirty="0">
+              <a:rPr lang="en-US" sz="1100" dirty="0" err="1">
+                <a:latin typeface="Ubuntu Light" panose="020B0604030602030204" pitchFamily="34" charset="0"/>
+              </a:rPr>
+              <a:t>encrypted.txt','r</a:t>
+            </a:r>
+            <a:r>
+              <a:rPr lang="en-US" sz="1100" dirty="0">
                 <a:latin typeface="Ubuntu Light" panose="020B0604030602030204" pitchFamily="34" charset="0"/>
               </a:rPr>
               <a:t>').read()</a:t>
@@ -7696,150 +7651,416 @@
           </a:p>
           <a:p>
             <a:r>
-              <a:rPr lang="en-US" sz="1200" dirty="0">
-                <a:latin typeface="Ubuntu Light" panose="020B0604030602030204" pitchFamily="34" charset="0"/>
-              </a:rPr>
-              <a:t>  count = [0]*26</a:t>
-            </a:r>
-          </a:p>
-          <a:p>
-            <a:r>
-              <a:rPr lang="en-US" sz="1200" dirty="0">
+              <a:rPr lang="en-US" sz="1100" dirty="0">
                 <a:latin typeface="Ubuntu Light" panose="020B0604030602030204" pitchFamily="34" charset="0"/>
               </a:rPr>
               <a:t>  </a:t>
             </a:r>
             <a:r>
-              <a:rPr lang="en-US" sz="1200" dirty="0" err="1">
+              <a:rPr lang="en-US" sz="1100" dirty="0" err="1">
+                <a:latin typeface="Ubuntu Light" panose="020B0604030602030204" pitchFamily="34" charset="0"/>
+              </a:rPr>
+              <a:t>freq</a:t>
+            </a:r>
+            <a:r>
+              <a:rPr lang="en-US" sz="1100" dirty="0">
+                <a:latin typeface="Ubuntu Light" panose="020B0604030602030204" pitchFamily="34" charset="0"/>
+              </a:rPr>
+              <a:t> = [0.0]*26</a:t>
+            </a:r>
+          </a:p>
+          <a:p>
+            <a:r>
+              <a:rPr lang="en-US" sz="1100" dirty="0">
+                <a:latin typeface="Ubuntu Light" panose="020B0604030602030204" pitchFamily="34" charset="0"/>
+              </a:rPr>
+              <a:t>  for c in f:</a:t>
+            </a:r>
+          </a:p>
+          <a:p>
+            <a:r>
+              <a:rPr lang="en-US" sz="1100" dirty="0">
+                <a:latin typeface="Ubuntu Light" panose="020B0604030602030204" pitchFamily="34" charset="0"/>
+              </a:rPr>
+              <a:t>    index = </a:t>
+            </a:r>
+            <a:r>
+              <a:rPr lang="en-US" sz="1100" dirty="0" err="1">
+                <a:latin typeface="Ubuntu Light" panose="020B0604030602030204" pitchFamily="34" charset="0"/>
+              </a:rPr>
+              <a:t>ord</a:t>
+            </a:r>
+            <a:r>
+              <a:rPr lang="en-US" sz="1100" dirty="0">
+                <a:latin typeface="Ubuntu Light" panose="020B0604030602030204" pitchFamily="34" charset="0"/>
+              </a:rPr>
+              <a:t>(</a:t>
+            </a:r>
+            <a:r>
+              <a:rPr lang="en-US" sz="1100" dirty="0" err="1">
+                <a:latin typeface="Ubuntu Light" panose="020B0604030602030204" pitchFamily="34" charset="0"/>
+              </a:rPr>
+              <a:t>c.lower</a:t>
+            </a:r>
+            <a:r>
+              <a:rPr lang="en-US" sz="1100" dirty="0">
+                <a:latin typeface="Ubuntu Light" panose="020B0604030602030204" pitchFamily="34" charset="0"/>
+              </a:rPr>
+              <a:t>()) - 97</a:t>
+            </a:r>
+          </a:p>
+          <a:p>
+            <a:r>
+              <a:rPr lang="en-US" sz="1100" dirty="0">
+                <a:latin typeface="Ubuntu Light" panose="020B0604030602030204" pitchFamily="34" charset="0"/>
+              </a:rPr>
+              <a:t>    if index &gt;= 0 and index &lt; 26:</a:t>
+            </a:r>
+          </a:p>
+          <a:p>
+            <a:r>
+              <a:rPr lang="en-US" sz="1100" dirty="0">
+                <a:latin typeface="Ubuntu Light" panose="020B0604030602030204" pitchFamily="34" charset="0"/>
+              </a:rPr>
+              <a:t>      </a:t>
+            </a:r>
+            <a:r>
+              <a:rPr lang="en-US" sz="1100" dirty="0" err="1">
+                <a:latin typeface="Ubuntu Light" panose="020B0604030602030204" pitchFamily="34" charset="0"/>
+              </a:rPr>
+              <a:t>freq</a:t>
+            </a:r>
+            <a:r>
+              <a:rPr lang="en-US" sz="1100" dirty="0">
+                <a:latin typeface="Ubuntu Light" panose="020B0604030602030204" pitchFamily="34" charset="0"/>
+              </a:rPr>
+              <a:t>[index] += 1.0</a:t>
+            </a:r>
+          </a:p>
+          <a:p>
+            <a:r>
+              <a:rPr lang="en-US" sz="1100" dirty="0">
+                <a:latin typeface="Ubuntu Light" panose="020B0604030602030204" pitchFamily="34" charset="0"/>
+              </a:rPr>
+              <a:t>  </a:t>
+            </a:r>
+            <a:r>
+              <a:rPr lang="en-US" sz="1100" dirty="0" err="1">
                 <a:latin typeface="Ubuntu Light" panose="020B0604030602030204" pitchFamily="34" charset="0"/>
               </a:rPr>
               <a:t>total_count</a:t>
             </a:r>
             <a:r>
-              <a:rPr lang="en-US" sz="1200" dirty="0">
-                <a:latin typeface="Ubuntu Light" panose="020B0604030602030204" pitchFamily="34" charset="0"/>
-              </a:rPr>
-              <a:t> = 0.0</a:t>
-            </a:r>
-          </a:p>
-          <a:p>
-            <a:r>
-              <a:rPr lang="en-US" sz="1200" dirty="0" smtClean="0">
-                <a:latin typeface="Ubuntu Light" panose="020B0604030602030204" pitchFamily="34" charset="0"/>
-              </a:rPr>
-              <a:t>  for c in f:</a:t>
-            </a:r>
-          </a:p>
-          <a:p>
-            <a:r>
-              <a:rPr lang="en-US" sz="1200" dirty="0" smtClean="0">
-                <a:latin typeface="Ubuntu Light" panose="020B0604030602030204" pitchFamily="34" charset="0"/>
-              </a:rPr>
-              <a:t>    index = </a:t>
-            </a:r>
-            <a:r>
-              <a:rPr lang="en-US" sz="1200" dirty="0" err="1" smtClean="0">
-                <a:latin typeface="Ubuntu Light" panose="020B0604030602030204" pitchFamily="34" charset="0"/>
-              </a:rPr>
-              <a:t>ord</a:t>
-            </a:r>
-            <a:r>
-              <a:rPr lang="en-US" sz="1200" dirty="0" smtClean="0">
-                <a:latin typeface="Ubuntu Light" panose="020B0604030602030204" pitchFamily="34" charset="0"/>
-              </a:rPr>
-              <a:t>(</a:t>
-            </a:r>
-            <a:r>
-              <a:rPr lang="en-US" sz="1200" dirty="0" err="1" smtClean="0">
-                <a:latin typeface="Ubuntu Light" panose="020B0604030602030204" pitchFamily="34" charset="0"/>
-              </a:rPr>
-              <a:t>c.lower</a:t>
-            </a:r>
-            <a:r>
-              <a:rPr lang="en-US" sz="1200" dirty="0" smtClean="0">
-                <a:latin typeface="Ubuntu Light" panose="020B0604030602030204" pitchFamily="34" charset="0"/>
-              </a:rPr>
-              <a:t>()) - 97</a:t>
-            </a:r>
-          </a:p>
-          <a:p>
-            <a:r>
-              <a:rPr lang="en-US" sz="1200" dirty="0" smtClean="0">
-                <a:latin typeface="Ubuntu Light" panose="020B0604030602030204" pitchFamily="34" charset="0"/>
-              </a:rPr>
-              <a:t>    if index &gt;= 0 and index &lt; 26:</a:t>
-            </a:r>
-          </a:p>
-          <a:p>
-            <a:r>
-              <a:rPr lang="en-US" sz="1200" dirty="0" smtClean="0">
-                <a:latin typeface="Ubuntu Light" panose="020B0604030602030204" pitchFamily="34" charset="0"/>
-              </a:rPr>
-              <a:t>      count[index] += 1</a:t>
-            </a:r>
-          </a:p>
-          <a:p>
-            <a:r>
-              <a:rPr lang="en-US" sz="1200" dirty="0" smtClean="0">
-                <a:latin typeface="Ubuntu Light" panose="020B0604030602030204" pitchFamily="34" charset="0"/>
-              </a:rPr>
-              <a:t>      </a:t>
-            </a:r>
-            <a:r>
-              <a:rPr lang="en-US" sz="1200" dirty="0" err="1" smtClean="0">
+              <a:rPr lang="en-US" sz="1100" dirty="0">
+                <a:latin typeface="Ubuntu Light" panose="020B0604030602030204" pitchFamily="34" charset="0"/>
+              </a:rPr>
+              <a:t> = sum(</a:t>
+            </a:r>
+            <a:r>
+              <a:rPr lang="en-US" sz="1100" dirty="0" err="1">
+                <a:latin typeface="Ubuntu Light" panose="020B0604030602030204" pitchFamily="34" charset="0"/>
+              </a:rPr>
+              <a:t>freq</a:t>
+            </a:r>
+            <a:r>
+              <a:rPr lang="en-US" sz="1100" dirty="0">
+                <a:latin typeface="Ubuntu Light" panose="020B0604030602030204" pitchFamily="34" charset="0"/>
+              </a:rPr>
+              <a:t>)</a:t>
+            </a:r>
+          </a:p>
+          <a:p>
+            <a:r>
+              <a:rPr lang="en-US" sz="1100" dirty="0">
+                <a:latin typeface="Ubuntu Light" panose="020B0604030602030204" pitchFamily="34" charset="0"/>
+              </a:rPr>
+              <a:t>  for index, count in enumerate(</a:t>
+            </a:r>
+            <a:r>
+              <a:rPr lang="en-US" sz="1100" dirty="0" err="1">
+                <a:latin typeface="Ubuntu Light" panose="020B0604030602030204" pitchFamily="34" charset="0"/>
+              </a:rPr>
+              <a:t>freq</a:t>
+            </a:r>
+            <a:r>
+              <a:rPr lang="en-US" sz="1100" dirty="0">
+                <a:latin typeface="Ubuntu Light" panose="020B0604030602030204" pitchFamily="34" charset="0"/>
+              </a:rPr>
+              <a:t>): </a:t>
+            </a:r>
+            <a:r>
+              <a:rPr lang="en-US" sz="1100" dirty="0" err="1">
+                <a:latin typeface="Ubuntu Light" panose="020B0604030602030204" pitchFamily="34" charset="0"/>
+              </a:rPr>
+              <a:t>freq</a:t>
+            </a:r>
+            <a:r>
+              <a:rPr lang="en-US" sz="1100" dirty="0">
+                <a:latin typeface="Ubuntu Light" panose="020B0604030602030204" pitchFamily="34" charset="0"/>
+              </a:rPr>
+              <a:t>[index] /= </a:t>
+            </a:r>
+            <a:r>
+              <a:rPr lang="en-US" sz="1100" dirty="0" err="1">
                 <a:latin typeface="Ubuntu Light" panose="020B0604030602030204" pitchFamily="34" charset="0"/>
               </a:rPr>
               <a:t>total_count</a:t>
             </a:r>
-            <a:r>
-              <a:rPr lang="en-US" sz="1200" dirty="0" smtClean="0">
-                <a:latin typeface="Ubuntu Light" panose="020B0604030602030204" pitchFamily="34" charset="0"/>
-              </a:rPr>
-              <a:t> += 1</a:t>
-            </a:r>
-          </a:p>
-          <a:p>
-            <a:r>
-              <a:rPr lang="en-US" sz="1200" dirty="0" smtClean="0">
-                <a:latin typeface="Ubuntu Light" panose="020B0604030602030204" pitchFamily="34" charset="0"/>
-              </a:rPr>
-              <a:t>  </a:t>
-            </a:r>
-            <a:br>
-              <a:rPr lang="en-US" sz="1200" dirty="0" smtClean="0">
-                <a:latin typeface="Ubuntu Light" panose="020B0604030602030204" pitchFamily="34" charset="0"/>
-              </a:rPr>
-            </a:br>
-            <a:endParaRPr lang="en-US" sz="1200" dirty="0" smtClean="0">
+            <a:endParaRPr lang="en-US" sz="1100" dirty="0">
               <a:latin typeface="Ubuntu Light" panose="020B0604030602030204" pitchFamily="34" charset="0"/>
             </a:endParaRPr>
           </a:p>
           <a:p>
             <a:r>
-              <a:rPr lang="en-US" sz="1200" dirty="0" smtClean="0">
-                <a:latin typeface="Ubuntu Light" panose="020B0604030602030204" pitchFamily="34" charset="0"/>
-              </a:rPr>
-              <a:t>.</a:t>
-            </a:r>
-          </a:p>
-          <a:p>
-            <a:r>
-              <a:rPr lang="en-US" sz="1200" dirty="0" smtClean="0">
-                <a:latin typeface="Ubuntu Light" panose="020B0604030602030204" pitchFamily="34" charset="0"/>
-              </a:rPr>
-              <a:t>.</a:t>
-            </a:r>
-          </a:p>
-          <a:p>
-            <a:r>
-              <a:rPr lang="en-US" sz="1200" dirty="0">
-                <a:latin typeface="Ubuntu Light" panose="020B0604030602030204" pitchFamily="34" charset="0"/>
-              </a:rPr>
-              <a:t>.</a:t>
-            </a:r>
-            <a:endParaRPr lang="en-US" sz="1200" dirty="0">
-              <a:latin typeface="Ubuntu Light" panose="020B0604030602030204" pitchFamily="34" charset="0"/>
-            </a:endParaRPr>
+              <a:rPr lang="en-US" sz="1100" dirty="0">
+                <a:latin typeface="Ubuntu Light" panose="020B0604030602030204" pitchFamily="34" charset="0"/>
+              </a:rPr>
+              <a:t>  </a:t>
+            </a:r>
+          </a:p>
+          <a:p>
+            <a:r>
+              <a:rPr lang="en-US" sz="1100" dirty="0" smtClean="0">
+                <a:latin typeface="Ubuntu Light" panose="020B0604030602030204" pitchFamily="34" charset="0"/>
+              </a:rPr>
+              <a:t>  costs = [0.0]*26</a:t>
+            </a:r>
+          </a:p>
+          <a:p>
+            <a:r>
+              <a:rPr lang="en-US" sz="1100" dirty="0" smtClean="0">
+                <a:latin typeface="Ubuntu Light" panose="020B0604030602030204" pitchFamily="34" charset="0"/>
+              </a:rPr>
+              <a:t>  </a:t>
+            </a:r>
+            <a:r>
+              <a:rPr lang="en-US" sz="1100" dirty="0" err="1" smtClean="0">
+                <a:latin typeface="Ubuntu Light" panose="020B0604030602030204" pitchFamily="34" charset="0"/>
+              </a:rPr>
+              <a:t>min_cost</a:t>
+            </a:r>
+            <a:r>
+              <a:rPr lang="en-US" sz="1100" dirty="0" smtClean="0">
+                <a:latin typeface="Ubuntu Light" panose="020B0604030602030204" pitchFamily="34" charset="0"/>
+              </a:rPr>
+              <a:t> = float("</a:t>
+            </a:r>
+            <a:r>
+              <a:rPr lang="en-US" sz="1100" dirty="0" err="1" smtClean="0">
+                <a:latin typeface="Ubuntu Light" panose="020B0604030602030204" pitchFamily="34" charset="0"/>
+              </a:rPr>
+              <a:t>inf</a:t>
+            </a:r>
+            <a:r>
+              <a:rPr lang="en-US" sz="1100" dirty="0" smtClean="0">
+                <a:latin typeface="Ubuntu Light" panose="020B0604030602030204" pitchFamily="34" charset="0"/>
+              </a:rPr>
+              <a:t>")</a:t>
+            </a:r>
+          </a:p>
+          <a:p>
+            <a:r>
+              <a:rPr lang="en-US" sz="1100" dirty="0" smtClean="0">
+                <a:latin typeface="Ubuntu Light" panose="020B0604030602030204" pitchFamily="34" charset="0"/>
+              </a:rPr>
+              <a:t>  </a:t>
+            </a:r>
+            <a:r>
+              <a:rPr lang="en-US" sz="1100" dirty="0" err="1" smtClean="0">
+                <a:latin typeface="Ubuntu Light" panose="020B0604030602030204" pitchFamily="34" charset="0"/>
+              </a:rPr>
+              <a:t>min_shift</a:t>
+            </a:r>
+            <a:r>
+              <a:rPr lang="en-US" sz="1100" dirty="0" smtClean="0">
+                <a:latin typeface="Ubuntu Light" panose="020B0604030602030204" pitchFamily="34" charset="0"/>
+              </a:rPr>
+              <a:t> = 0</a:t>
+            </a:r>
+          </a:p>
+          <a:p>
+            <a:r>
+              <a:rPr lang="en-US" sz="1100" dirty="0" smtClean="0">
+                <a:latin typeface="Ubuntu Light" panose="020B0604030602030204" pitchFamily="34" charset="0"/>
+              </a:rPr>
+              <a:t>  for shift in range(26):</a:t>
+            </a:r>
+          </a:p>
+          <a:p>
+            <a:r>
+              <a:rPr lang="en-US" sz="1100" dirty="0" smtClean="0">
+                <a:latin typeface="Ubuntu Light" panose="020B0604030602030204" pitchFamily="34" charset="0"/>
+              </a:rPr>
+              <a:t>    cost = 0.0</a:t>
+            </a:r>
+          </a:p>
+          <a:p>
+            <a:r>
+              <a:rPr lang="en-US" sz="1100" dirty="0" smtClean="0">
+                <a:latin typeface="Ubuntu Light" panose="020B0604030602030204" pitchFamily="34" charset="0"/>
+              </a:rPr>
+              <a:t>    for </a:t>
+            </a:r>
+            <a:r>
+              <a:rPr lang="en-US" sz="1100" dirty="0" err="1" smtClean="0">
+                <a:latin typeface="Ubuntu Light" panose="020B0604030602030204" pitchFamily="34" charset="0"/>
+              </a:rPr>
+              <a:t>letter_index</a:t>
+            </a:r>
+            <a:r>
+              <a:rPr lang="en-US" sz="1100" dirty="0" smtClean="0">
+                <a:latin typeface="Ubuntu Light" panose="020B0604030602030204" pitchFamily="34" charset="0"/>
+              </a:rPr>
+              <a:t>, </a:t>
+            </a:r>
+            <a:r>
+              <a:rPr lang="en-US" sz="1100" dirty="0" err="1" smtClean="0">
+                <a:latin typeface="Ubuntu Light" panose="020B0604030602030204" pitchFamily="34" charset="0"/>
+              </a:rPr>
+              <a:t>letter_freq</a:t>
+            </a:r>
+            <a:r>
+              <a:rPr lang="en-US" sz="1100" dirty="0" smtClean="0">
+                <a:latin typeface="Ubuntu Light" panose="020B0604030602030204" pitchFamily="34" charset="0"/>
+              </a:rPr>
+              <a:t> in enumerate(</a:t>
+            </a:r>
+            <a:r>
+              <a:rPr lang="en-US" sz="1100" dirty="0" err="1" smtClean="0">
+                <a:latin typeface="Ubuntu Light" panose="020B0604030602030204" pitchFamily="34" charset="0"/>
+              </a:rPr>
+              <a:t>english_lang</a:t>
+            </a:r>
+            <a:r>
+              <a:rPr lang="en-US" sz="1100" dirty="0" smtClean="0">
+                <a:latin typeface="Ubuntu Light" panose="020B0604030602030204" pitchFamily="34" charset="0"/>
+              </a:rPr>
+              <a:t>):</a:t>
+            </a:r>
+          </a:p>
+          <a:p>
+            <a:r>
+              <a:rPr lang="en-US" sz="1100" dirty="0" smtClean="0">
+                <a:latin typeface="Ubuntu Light" panose="020B0604030602030204" pitchFamily="34" charset="0"/>
+              </a:rPr>
+              <a:t>      cost += (</a:t>
+            </a:r>
+            <a:r>
+              <a:rPr lang="en-US" sz="1100" dirty="0" err="1" smtClean="0">
+                <a:latin typeface="Ubuntu Light" panose="020B0604030602030204" pitchFamily="34" charset="0"/>
+              </a:rPr>
+              <a:t>freq</a:t>
+            </a:r>
+            <a:r>
+              <a:rPr lang="en-US" sz="1100" dirty="0" smtClean="0">
+                <a:latin typeface="Ubuntu Light" panose="020B0604030602030204" pitchFamily="34" charset="0"/>
+              </a:rPr>
+              <a:t>[(shift + </a:t>
+            </a:r>
+            <a:r>
+              <a:rPr lang="en-US" sz="1100" dirty="0" err="1" smtClean="0">
+                <a:latin typeface="Ubuntu Light" panose="020B0604030602030204" pitchFamily="34" charset="0"/>
+              </a:rPr>
+              <a:t>letter_index</a:t>
+            </a:r>
+            <a:r>
+              <a:rPr lang="en-US" sz="1100" dirty="0" smtClean="0">
+                <a:latin typeface="Ubuntu Light" panose="020B0604030602030204" pitchFamily="34" charset="0"/>
+              </a:rPr>
+              <a:t>)%26]-</a:t>
+            </a:r>
+            <a:r>
+              <a:rPr lang="en-US" sz="1100" dirty="0" err="1" smtClean="0">
+                <a:latin typeface="Ubuntu Light" panose="020B0604030602030204" pitchFamily="34" charset="0"/>
+              </a:rPr>
+              <a:t>english_lang</a:t>
+            </a:r>
+            <a:r>
+              <a:rPr lang="en-US" sz="1100" dirty="0" smtClean="0">
+                <a:latin typeface="Ubuntu Light" panose="020B0604030602030204" pitchFamily="34" charset="0"/>
+              </a:rPr>
+              <a:t>[</a:t>
+            </a:r>
+            <a:r>
+              <a:rPr lang="en-US" sz="1100" dirty="0" err="1" smtClean="0">
+                <a:latin typeface="Ubuntu Light" panose="020B0604030602030204" pitchFamily="34" charset="0"/>
+              </a:rPr>
+              <a:t>letter_index</a:t>
+            </a:r>
+            <a:r>
+              <a:rPr lang="en-US" sz="1100" dirty="0" smtClean="0">
+                <a:latin typeface="Ubuntu Light" panose="020B0604030602030204" pitchFamily="34" charset="0"/>
+              </a:rPr>
+              <a:t>])**2</a:t>
+            </a:r>
+          </a:p>
+          <a:p>
+            <a:r>
+              <a:rPr lang="en-US" sz="1100" dirty="0" smtClean="0">
+                <a:latin typeface="Ubuntu Light" panose="020B0604030602030204" pitchFamily="34" charset="0"/>
+              </a:rPr>
+              <a:t>    if cost &lt; </a:t>
+            </a:r>
+            <a:r>
+              <a:rPr lang="en-US" sz="1100" dirty="0" err="1" smtClean="0">
+                <a:latin typeface="Ubuntu Light" panose="020B0604030602030204" pitchFamily="34" charset="0"/>
+              </a:rPr>
+              <a:t>min_cost</a:t>
+            </a:r>
+            <a:r>
+              <a:rPr lang="en-US" sz="1100" dirty="0" smtClean="0">
+                <a:latin typeface="Ubuntu Light" panose="020B0604030602030204" pitchFamily="34" charset="0"/>
+              </a:rPr>
+              <a:t>:</a:t>
+            </a:r>
+          </a:p>
+          <a:p>
+            <a:r>
+              <a:rPr lang="en-US" sz="1100" dirty="0" smtClean="0">
+                <a:latin typeface="Ubuntu Light" panose="020B0604030602030204" pitchFamily="34" charset="0"/>
+              </a:rPr>
+              <a:t>      </a:t>
+            </a:r>
+            <a:r>
+              <a:rPr lang="en-US" sz="1100" dirty="0" err="1" smtClean="0">
+                <a:latin typeface="Ubuntu Light" panose="020B0604030602030204" pitchFamily="34" charset="0"/>
+              </a:rPr>
+              <a:t>min_cost</a:t>
+            </a:r>
+            <a:r>
+              <a:rPr lang="en-US" sz="1100" dirty="0" smtClean="0">
+                <a:latin typeface="Ubuntu Light" panose="020B0604030602030204" pitchFamily="34" charset="0"/>
+              </a:rPr>
+              <a:t> = cost</a:t>
+            </a:r>
+          </a:p>
+          <a:p>
+            <a:r>
+              <a:rPr lang="en-US" sz="1100" dirty="0" smtClean="0">
+                <a:latin typeface="Ubuntu Light" panose="020B0604030602030204" pitchFamily="34" charset="0"/>
+              </a:rPr>
+              <a:t>      </a:t>
+            </a:r>
+            <a:r>
+              <a:rPr lang="en-US" sz="1100" dirty="0" err="1" smtClean="0">
+                <a:latin typeface="Ubuntu Light" panose="020B0604030602030204" pitchFamily="34" charset="0"/>
+              </a:rPr>
+              <a:t>min_shift</a:t>
+            </a:r>
+            <a:r>
+              <a:rPr lang="en-US" sz="1100" dirty="0" smtClean="0">
+                <a:latin typeface="Ubuntu Light" panose="020B0604030602030204" pitchFamily="34" charset="0"/>
+              </a:rPr>
+              <a:t> = shift</a:t>
+            </a:r>
+          </a:p>
+          <a:p>
+            <a:r>
+              <a:rPr lang="en-US" sz="1100" dirty="0" smtClean="0">
+                <a:latin typeface="Ubuntu Light" panose="020B0604030602030204" pitchFamily="34" charset="0"/>
+              </a:rPr>
+              <a:t>    costs[shift] = cost</a:t>
+            </a:r>
           </a:p>
         </p:txBody>
       </p:sp>
@@ -7852,7 +8073,7 @@
         <p:spPr>
           <a:xfrm>
             <a:off x="6705974" y="1565275"/>
-            <a:ext cx="5752725" cy="5078313"/>
+            <a:ext cx="5752725" cy="3985706"/>
           </a:xfrm>
           <a:prstGeom prst="rect">
             <a:avLst/>
@@ -7865,463 +8086,270 @@
           </a:bodyPr>
           <a:lstStyle/>
           <a:p>
-            <a:endParaRPr lang="en-US" sz="1200" dirty="0" smtClean="0">
+            <a:endParaRPr lang="en-US" sz="1100" dirty="0">
               <a:latin typeface="Ubuntu Light" panose="020B0604030602030204" pitchFamily="34" charset="0"/>
             </a:endParaRPr>
           </a:p>
           <a:p>
             <a:r>
-              <a:rPr lang="en-US" sz="1200" dirty="0" smtClean="0">
+              <a:rPr lang="en-US" sz="1100" dirty="0">
+                <a:latin typeface="Ubuntu Light" panose="020B0604030602030204" pitchFamily="34" charset="0"/>
+              </a:rPr>
+              <a:t>  out = open('</a:t>
+            </a:r>
+            <a:r>
+              <a:rPr lang="en-US" sz="1100" dirty="0" err="1">
+                <a:latin typeface="Ubuntu Light" panose="020B0604030602030204" pitchFamily="34" charset="0"/>
+              </a:rPr>
+              <a:t>decrypted.txt','w</a:t>
+            </a:r>
+            <a:r>
+              <a:rPr lang="en-US" sz="1100" dirty="0">
+                <a:latin typeface="Ubuntu Light" panose="020B0604030602030204" pitchFamily="34" charset="0"/>
+              </a:rPr>
+              <a:t>')</a:t>
+            </a:r>
+          </a:p>
+          <a:p>
+            <a:r>
+              <a:rPr lang="en-US" sz="1100" dirty="0">
+                <a:latin typeface="Ubuntu Light" panose="020B0604030602030204" pitchFamily="34" charset="0"/>
+              </a:rPr>
+              <a:t>  remake = ''</a:t>
+            </a:r>
+          </a:p>
+          <a:p>
+            <a:r>
+              <a:rPr lang="en-US" sz="1100" dirty="0">
+                <a:latin typeface="Ubuntu Light" panose="020B0604030602030204" pitchFamily="34" charset="0"/>
+              </a:rPr>
+              <a:t>  for s in f:</a:t>
+            </a:r>
+          </a:p>
+          <a:p>
+            <a:r>
+              <a:rPr lang="en-US" sz="1100" dirty="0">
+                <a:latin typeface="Ubuntu Light" panose="020B0604030602030204" pitchFamily="34" charset="0"/>
+              </a:rPr>
+              <a:t>    index = </a:t>
+            </a:r>
+            <a:r>
+              <a:rPr lang="en-US" sz="1100" dirty="0" err="1">
+                <a:latin typeface="Ubuntu Light" panose="020B0604030602030204" pitchFamily="34" charset="0"/>
+              </a:rPr>
+              <a:t>ord</a:t>
+            </a:r>
+            <a:r>
+              <a:rPr lang="en-US" sz="1100" dirty="0">
+                <a:latin typeface="Ubuntu Light" panose="020B0604030602030204" pitchFamily="34" charset="0"/>
+              </a:rPr>
+              <a:t>(s)</a:t>
+            </a:r>
+          </a:p>
+          <a:p>
+            <a:r>
+              <a:rPr lang="en-US" sz="1100" dirty="0">
+                <a:latin typeface="Ubuntu Light" panose="020B0604030602030204" pitchFamily="34" charset="0"/>
+              </a:rPr>
+              <a:t>    if index &gt;= 97 and index &lt;= 122: </a:t>
+            </a:r>
+          </a:p>
+          <a:p>
+            <a:r>
+              <a:rPr lang="en-US" sz="1100" dirty="0">
+                <a:latin typeface="Ubuntu Light" panose="020B0604030602030204" pitchFamily="34" charset="0"/>
+              </a:rPr>
+              <a:t>      remake += </a:t>
+            </a:r>
+            <a:r>
+              <a:rPr lang="en-US" sz="1100" dirty="0" err="1">
+                <a:latin typeface="Ubuntu Light" panose="020B0604030602030204" pitchFamily="34" charset="0"/>
+              </a:rPr>
+              <a:t>chr</a:t>
+            </a:r>
+            <a:r>
+              <a:rPr lang="en-US" sz="1100" dirty="0">
+                <a:latin typeface="Ubuntu Light" panose="020B0604030602030204" pitchFamily="34" charset="0"/>
+              </a:rPr>
+              <a:t>(((index-97-min_shift)%26)+97)</a:t>
+            </a:r>
+          </a:p>
+          <a:p>
+            <a:r>
+              <a:rPr lang="en-US" sz="1100" dirty="0">
+                <a:latin typeface="Ubuntu Light" panose="020B0604030602030204" pitchFamily="34" charset="0"/>
+              </a:rPr>
+              <a:t>    </a:t>
+            </a:r>
+            <a:r>
+              <a:rPr lang="en-US" sz="1100" dirty="0" err="1">
+                <a:latin typeface="Ubuntu Light" panose="020B0604030602030204" pitchFamily="34" charset="0"/>
+              </a:rPr>
+              <a:t>elif</a:t>
+            </a:r>
+            <a:r>
+              <a:rPr lang="en-US" sz="1100" dirty="0">
+                <a:latin typeface="Ubuntu Light" panose="020B0604030602030204" pitchFamily="34" charset="0"/>
+              </a:rPr>
+              <a:t> index &gt;= 65 and index &lt;= 90:</a:t>
+            </a:r>
+          </a:p>
+          <a:p>
+            <a:r>
+              <a:rPr lang="en-US" sz="1100" dirty="0">
+                <a:latin typeface="Ubuntu Light" panose="020B0604030602030204" pitchFamily="34" charset="0"/>
+              </a:rPr>
+              <a:t>      remake += </a:t>
+            </a:r>
+            <a:r>
+              <a:rPr lang="en-US" sz="1100" dirty="0" err="1">
+                <a:latin typeface="Ubuntu Light" panose="020B0604030602030204" pitchFamily="34" charset="0"/>
+              </a:rPr>
+              <a:t>chr</a:t>
+            </a:r>
+            <a:r>
+              <a:rPr lang="en-US" sz="1100" dirty="0">
+                <a:latin typeface="Ubuntu Light" panose="020B0604030602030204" pitchFamily="34" charset="0"/>
+              </a:rPr>
+              <a:t>(((index-65-min_shift)%26)+65)</a:t>
+            </a:r>
+          </a:p>
+          <a:p>
+            <a:r>
+              <a:rPr lang="en-US" sz="1100" dirty="0">
+                <a:latin typeface="Ubuntu Light" panose="020B0604030602030204" pitchFamily="34" charset="0"/>
+              </a:rPr>
+              <a:t>    else:</a:t>
+            </a:r>
+          </a:p>
+          <a:p>
+            <a:r>
+              <a:rPr lang="en-US" sz="1100" dirty="0">
+                <a:latin typeface="Ubuntu Light" panose="020B0604030602030204" pitchFamily="34" charset="0"/>
+              </a:rPr>
+              <a:t>      remake += s</a:t>
+            </a:r>
+          </a:p>
+          <a:p>
+            <a:r>
+              <a:rPr lang="en-US" sz="1100" dirty="0">
                 <a:latin typeface="Ubuntu Light" panose="020B0604030602030204" pitchFamily="34" charset="0"/>
               </a:rPr>
               <a:t>  </a:t>
             </a:r>
             <a:r>
-              <a:rPr lang="en-US" sz="1200" dirty="0">
-                <a:latin typeface="Ubuntu Light" panose="020B0604030602030204" pitchFamily="34" charset="0"/>
-              </a:rPr>
-              <a:t>cost = []</a:t>
-            </a:r>
-          </a:p>
-          <a:p>
-            <a:r>
-              <a:rPr lang="en-US" sz="1200" dirty="0">
+              <a:rPr lang="en-US" sz="1100" dirty="0" err="1">
+                <a:latin typeface="Ubuntu Light" panose="020B0604030602030204" pitchFamily="34" charset="0"/>
+              </a:rPr>
+              <a:t>out.write</a:t>
+            </a:r>
+            <a:r>
+              <a:rPr lang="en-US" sz="1100" dirty="0">
+                <a:latin typeface="Ubuntu Light" panose="020B0604030602030204" pitchFamily="34" charset="0"/>
+              </a:rPr>
+              <a:t>(remake)</a:t>
+            </a:r>
+          </a:p>
+          <a:p>
+            <a:r>
+              <a:rPr lang="en-US" sz="1100" dirty="0">
                 <a:latin typeface="Ubuntu Light" panose="020B0604030602030204" pitchFamily="34" charset="0"/>
               </a:rPr>
               <a:t>  </a:t>
             </a:r>
             <a:r>
-              <a:rPr lang="en-US" sz="1200" dirty="0" err="1">
-                <a:latin typeface="Ubuntu Light" panose="020B0604030602030204" pitchFamily="34" charset="0"/>
-              </a:rPr>
-              <a:t>min_cost</a:t>
-            </a:r>
-            <a:r>
-              <a:rPr lang="en-US" sz="1200" dirty="0">
-                <a:latin typeface="Ubuntu Light" panose="020B0604030602030204" pitchFamily="34" charset="0"/>
-              </a:rPr>
-              <a:t> = float("</a:t>
-            </a:r>
-            <a:r>
-              <a:rPr lang="en-US" sz="1200" dirty="0" err="1">
-                <a:latin typeface="Ubuntu Light" panose="020B0604030602030204" pitchFamily="34" charset="0"/>
-              </a:rPr>
-              <a:t>inf</a:t>
-            </a:r>
-            <a:r>
-              <a:rPr lang="en-US" sz="1200" dirty="0">
-                <a:latin typeface="Ubuntu Light" panose="020B0604030602030204" pitchFamily="34" charset="0"/>
-              </a:rPr>
-              <a:t>")</a:t>
-            </a:r>
-          </a:p>
-          <a:p>
-            <a:r>
-              <a:rPr lang="en-US" sz="1200" dirty="0">
-                <a:latin typeface="Ubuntu Light" panose="020B0604030602030204" pitchFamily="34" charset="0"/>
-              </a:rPr>
-              <a:t>  </a:t>
-            </a:r>
-            <a:r>
-              <a:rPr lang="en-US" sz="1200" dirty="0" err="1">
+              <a:rPr lang="en-US" sz="1100" dirty="0" err="1">
+                <a:latin typeface="Ubuntu Light" panose="020B0604030602030204" pitchFamily="34" charset="0"/>
+              </a:rPr>
+              <a:t>out.close</a:t>
+            </a:r>
+            <a:r>
+              <a:rPr lang="en-US" sz="1100" dirty="0">
+                <a:latin typeface="Ubuntu Light" panose="020B0604030602030204" pitchFamily="34" charset="0"/>
+              </a:rPr>
+              <a:t>()</a:t>
+            </a:r>
+          </a:p>
+          <a:p>
+            <a:r>
+              <a:rPr lang="en-US" sz="1100" dirty="0">
+                <a:latin typeface="Ubuntu Light" panose="020B0604030602030204" pitchFamily="34" charset="0"/>
+              </a:rPr>
+              <a:t> </a:t>
+            </a:r>
+          </a:p>
+          <a:p>
+            <a:r>
+              <a:rPr lang="en-US" sz="1100" dirty="0">
+                <a:latin typeface="Ubuntu Light" panose="020B0604030602030204" pitchFamily="34" charset="0"/>
+              </a:rPr>
+              <a:t>  print</a:t>
+            </a:r>
+          </a:p>
+          <a:p>
+            <a:r>
+              <a:rPr lang="en-US" sz="1100" dirty="0">
+                <a:latin typeface="Ubuntu Light" panose="020B0604030602030204" pitchFamily="34" charset="0"/>
+              </a:rPr>
+              <a:t>  print 'The encryption key was found to be %d\n\n' % </a:t>
+            </a:r>
+            <a:r>
+              <a:rPr lang="en-US" sz="1100" dirty="0" err="1">
                 <a:latin typeface="Ubuntu Light" panose="020B0604030602030204" pitchFamily="34" charset="0"/>
               </a:rPr>
               <a:t>min_shift</a:t>
             </a:r>
-            <a:r>
-              <a:rPr lang="en-US" sz="1200" dirty="0">
-                <a:latin typeface="Ubuntu Light" panose="020B0604030602030204" pitchFamily="34" charset="0"/>
-              </a:rPr>
-              <a:t> = 0</a:t>
-            </a:r>
-          </a:p>
-          <a:p>
-            <a:r>
-              <a:rPr lang="en-US" sz="1200" dirty="0">
-                <a:latin typeface="Ubuntu Light" panose="020B0604030602030204" pitchFamily="34" charset="0"/>
-              </a:rPr>
-              <a:t>  for shift in range(26):</a:t>
-            </a:r>
-          </a:p>
-          <a:p>
-            <a:r>
-              <a:rPr lang="en-US" sz="1200" dirty="0">
-                <a:latin typeface="Ubuntu Light" panose="020B0604030602030204" pitchFamily="34" charset="0"/>
-              </a:rPr>
-              <a:t>    diff = 0.0</a:t>
-            </a:r>
-          </a:p>
-          <a:p>
-            <a:r>
-              <a:rPr lang="en-US" sz="1200" dirty="0">
-                <a:latin typeface="Ubuntu Light" panose="020B0604030602030204" pitchFamily="34" charset="0"/>
-              </a:rPr>
-              <a:t>    for </a:t>
-            </a:r>
-            <a:r>
-              <a:rPr lang="en-US" sz="1200" dirty="0" err="1">
-                <a:latin typeface="Ubuntu Light" panose="020B0604030602030204" pitchFamily="34" charset="0"/>
-              </a:rPr>
-              <a:t>f_index</a:t>
-            </a:r>
-            <a:r>
-              <a:rPr lang="en-US" sz="1200" dirty="0">
-                <a:latin typeface="Ubuntu Light" panose="020B0604030602030204" pitchFamily="34" charset="0"/>
-              </a:rPr>
-              <a:t>, </a:t>
-            </a:r>
-            <a:r>
-              <a:rPr lang="en-US" sz="1200" dirty="0" err="1">
-                <a:latin typeface="Ubuntu Light" panose="020B0604030602030204" pitchFamily="34" charset="0"/>
-              </a:rPr>
-              <a:t>freq</a:t>
-            </a:r>
-            <a:r>
-              <a:rPr lang="en-US" sz="1200" dirty="0">
-                <a:latin typeface="Ubuntu Light" panose="020B0604030602030204" pitchFamily="34" charset="0"/>
-              </a:rPr>
-              <a:t> in enumerate(</a:t>
-            </a:r>
-            <a:r>
-              <a:rPr lang="en-US" sz="1200" dirty="0" err="1">
-                <a:latin typeface="Ubuntu Light" panose="020B0604030602030204" pitchFamily="34" charset="0"/>
-              </a:rPr>
-              <a:t>english_lang</a:t>
-            </a:r>
-            <a:r>
-              <a:rPr lang="en-US" sz="1200" dirty="0">
-                <a:latin typeface="Ubuntu Light" panose="020B0604030602030204" pitchFamily="34" charset="0"/>
-              </a:rPr>
-              <a:t>):</a:t>
-            </a:r>
-          </a:p>
-          <a:p>
-            <a:r>
-              <a:rPr lang="en-US" sz="1200" dirty="0">
-                <a:latin typeface="Ubuntu Light" panose="020B0604030602030204" pitchFamily="34" charset="0"/>
-              </a:rPr>
-              <a:t>      diff += ((count[(shift + </a:t>
-            </a:r>
-            <a:r>
-              <a:rPr lang="en-US" sz="1200" dirty="0" err="1">
-                <a:latin typeface="Ubuntu Light" panose="020B0604030602030204" pitchFamily="34" charset="0"/>
-              </a:rPr>
-              <a:t>f_index</a:t>
-            </a:r>
-            <a:r>
-              <a:rPr lang="en-US" sz="1200" dirty="0">
-                <a:latin typeface="Ubuntu Light" panose="020B0604030602030204" pitchFamily="34" charset="0"/>
-              </a:rPr>
-              <a:t>)%</a:t>
-            </a:r>
-            <a:r>
-              <a:rPr lang="en-US" sz="1200" dirty="0" err="1">
-                <a:latin typeface="Ubuntu Light" panose="020B0604030602030204" pitchFamily="34" charset="0"/>
-              </a:rPr>
-              <a:t>len</a:t>
-            </a:r>
-            <a:r>
-              <a:rPr lang="en-US" sz="1200" dirty="0">
-                <a:latin typeface="Ubuntu Light" panose="020B0604030602030204" pitchFamily="34" charset="0"/>
-              </a:rPr>
-              <a:t>(</a:t>
-            </a:r>
-            <a:r>
-              <a:rPr lang="en-US" sz="1200" dirty="0" err="1">
-                <a:latin typeface="Ubuntu Light" panose="020B0604030602030204" pitchFamily="34" charset="0"/>
-              </a:rPr>
-              <a:t>english_lang</a:t>
-            </a:r>
-            <a:r>
-              <a:rPr lang="en-US" sz="1200" dirty="0">
-                <a:latin typeface="Ubuntu Light" panose="020B0604030602030204" pitchFamily="34" charset="0"/>
-              </a:rPr>
-              <a:t>)]/</a:t>
-            </a:r>
-            <a:r>
-              <a:rPr lang="en-US" sz="1200" dirty="0" err="1">
-                <a:latin typeface="Ubuntu Light" panose="020B0604030602030204" pitchFamily="34" charset="0"/>
-              </a:rPr>
-              <a:t>total_count</a:t>
-            </a:r>
-            <a:r>
-              <a:rPr lang="en-US" sz="1200" dirty="0">
-                <a:latin typeface="Ubuntu Light" panose="020B0604030602030204" pitchFamily="34" charset="0"/>
-              </a:rPr>
-              <a:t>)-</a:t>
-            </a:r>
-            <a:r>
-              <a:rPr lang="en-US" sz="1200" dirty="0" err="1">
-                <a:latin typeface="Ubuntu Light" panose="020B0604030602030204" pitchFamily="34" charset="0"/>
-              </a:rPr>
-              <a:t>english_lang</a:t>
-            </a:r>
-            <a:r>
-              <a:rPr lang="en-US" sz="1200" dirty="0">
-                <a:latin typeface="Ubuntu Light" panose="020B0604030602030204" pitchFamily="34" charset="0"/>
-              </a:rPr>
-              <a:t>[</a:t>
-            </a:r>
-            <a:r>
-              <a:rPr lang="en-US" sz="1200" dirty="0" err="1">
-                <a:latin typeface="Ubuntu Light" panose="020B0604030602030204" pitchFamily="34" charset="0"/>
-              </a:rPr>
-              <a:t>f_index</a:t>
-            </a:r>
-            <a:r>
-              <a:rPr lang="en-US" sz="1200" dirty="0">
-                <a:latin typeface="Ubuntu Light" panose="020B0604030602030204" pitchFamily="34" charset="0"/>
-              </a:rPr>
-              <a:t>])**2</a:t>
-            </a:r>
-          </a:p>
-          <a:p>
-            <a:r>
-              <a:rPr lang="en-US" sz="1200" dirty="0">
-                <a:latin typeface="Ubuntu Light" panose="020B0604030602030204" pitchFamily="34" charset="0"/>
-              </a:rPr>
-              <a:t>    diff**0.5</a:t>
-            </a:r>
-          </a:p>
-          <a:p>
-            <a:r>
-              <a:rPr lang="en-US" sz="1200" dirty="0">
-                <a:latin typeface="Ubuntu Light" panose="020B0604030602030204" pitchFamily="34" charset="0"/>
-              </a:rPr>
-              <a:t>    if diff &lt; </a:t>
-            </a:r>
-            <a:r>
-              <a:rPr lang="en-US" sz="1200" dirty="0" err="1">
-                <a:latin typeface="Ubuntu Light" panose="020B0604030602030204" pitchFamily="34" charset="0"/>
-              </a:rPr>
-              <a:t>min_cost</a:t>
-            </a:r>
-            <a:r>
-              <a:rPr lang="en-US" sz="1200" dirty="0">
-                <a:latin typeface="Ubuntu Light" panose="020B0604030602030204" pitchFamily="34" charset="0"/>
-              </a:rPr>
-              <a:t>:</a:t>
-            </a:r>
-          </a:p>
-          <a:p>
-            <a:r>
-              <a:rPr lang="en-US" sz="1200" dirty="0">
-                <a:latin typeface="Ubuntu Light" panose="020B0604030602030204" pitchFamily="34" charset="0"/>
-              </a:rPr>
-              <a:t>      </a:t>
-            </a:r>
-            <a:r>
-              <a:rPr lang="en-US" sz="1200" dirty="0" err="1">
-                <a:latin typeface="Ubuntu Light" panose="020B0604030602030204" pitchFamily="34" charset="0"/>
-              </a:rPr>
-              <a:t>min_cost</a:t>
-            </a:r>
-            <a:r>
-              <a:rPr lang="en-US" sz="1200" dirty="0">
-                <a:latin typeface="Ubuntu Light" panose="020B0604030602030204" pitchFamily="34" charset="0"/>
-              </a:rPr>
-              <a:t> = diff</a:t>
-            </a:r>
-          </a:p>
-          <a:p>
-            <a:r>
-              <a:rPr lang="en-US" sz="1200" dirty="0">
-                <a:latin typeface="Ubuntu Light" panose="020B0604030602030204" pitchFamily="34" charset="0"/>
-              </a:rPr>
-              <a:t>      </a:t>
-            </a:r>
-            <a:r>
-              <a:rPr lang="en-US" sz="1200" dirty="0" err="1">
-                <a:latin typeface="Ubuntu Light" panose="020B0604030602030204" pitchFamily="34" charset="0"/>
-              </a:rPr>
-              <a:t>min_shift</a:t>
-            </a:r>
-            <a:r>
-              <a:rPr lang="en-US" sz="1200" dirty="0">
-                <a:latin typeface="Ubuntu Light" panose="020B0604030602030204" pitchFamily="34" charset="0"/>
-              </a:rPr>
-              <a:t> = shift</a:t>
-            </a:r>
-          </a:p>
-          <a:p>
-            <a:r>
-              <a:rPr lang="en-US" sz="1200" dirty="0">
-                <a:latin typeface="Ubuntu Light" panose="020B0604030602030204" pitchFamily="34" charset="0"/>
-              </a:rPr>
-              <a:t>    </a:t>
-            </a:r>
-            <a:r>
-              <a:rPr lang="en-US" sz="1200" dirty="0" err="1">
-                <a:latin typeface="Ubuntu Light" panose="020B0604030602030204" pitchFamily="34" charset="0"/>
-              </a:rPr>
-              <a:t>cost.append</a:t>
-            </a:r>
-            <a:r>
-              <a:rPr lang="en-US" sz="1200" dirty="0">
-                <a:latin typeface="Ubuntu Light" panose="020B0604030602030204" pitchFamily="34" charset="0"/>
-              </a:rPr>
-              <a:t>(diff)</a:t>
-            </a:r>
-          </a:p>
-          <a:p>
-            <a:r>
-              <a:rPr lang="en-US" sz="1200" dirty="0">
-                <a:latin typeface="Ubuntu Light" panose="020B0604030602030204" pitchFamily="34" charset="0"/>
-              </a:rPr>
-              <a:t>  out = open('</a:t>
-            </a:r>
-            <a:r>
-              <a:rPr lang="en-US" sz="1200" dirty="0" err="1">
-                <a:latin typeface="Ubuntu Light" panose="020B0604030602030204" pitchFamily="34" charset="0"/>
-              </a:rPr>
-              <a:t>textout.txt','w</a:t>
-            </a:r>
-            <a:r>
-              <a:rPr lang="en-US" sz="1200" dirty="0">
-                <a:latin typeface="Ubuntu Light" panose="020B0604030602030204" pitchFamily="34" charset="0"/>
-              </a:rPr>
-              <a:t>')</a:t>
-            </a:r>
-          </a:p>
-          <a:p>
-            <a:r>
-              <a:rPr lang="en-US" sz="1200" dirty="0">
-                <a:latin typeface="Ubuntu Light" panose="020B0604030602030204" pitchFamily="34" charset="0"/>
-              </a:rPr>
-              <a:t>  remake = ''</a:t>
-            </a:r>
-          </a:p>
-          <a:p>
-            <a:r>
-              <a:rPr lang="en-US" sz="1200" dirty="0">
-                <a:latin typeface="Ubuntu Light" panose="020B0604030602030204" pitchFamily="34" charset="0"/>
-              </a:rPr>
-              <a:t>  for s in f:</a:t>
-            </a:r>
-          </a:p>
-          <a:p>
-            <a:r>
-              <a:rPr lang="en-US" sz="1200" dirty="0">
-                <a:latin typeface="Ubuntu Light" panose="020B0604030602030204" pitchFamily="34" charset="0"/>
-              </a:rPr>
-              <a:t>    index = </a:t>
-            </a:r>
-            <a:r>
-              <a:rPr lang="en-US" sz="1200" dirty="0" err="1">
-                <a:latin typeface="Ubuntu Light" panose="020B0604030602030204" pitchFamily="34" charset="0"/>
-              </a:rPr>
-              <a:t>ord</a:t>
-            </a:r>
-            <a:r>
-              <a:rPr lang="en-US" sz="1200" dirty="0">
-                <a:latin typeface="Ubuntu Light" panose="020B0604030602030204" pitchFamily="34" charset="0"/>
-              </a:rPr>
-              <a:t>(</a:t>
-            </a:r>
-            <a:r>
-              <a:rPr lang="en-US" sz="1200" dirty="0" err="1">
-                <a:latin typeface="Ubuntu Light" panose="020B0604030602030204" pitchFamily="34" charset="0"/>
-              </a:rPr>
-              <a:t>s.lower</a:t>
-            </a:r>
-            <a:r>
-              <a:rPr lang="en-US" sz="1200" dirty="0">
-                <a:latin typeface="Ubuntu Light" panose="020B0604030602030204" pitchFamily="34" charset="0"/>
-              </a:rPr>
-              <a:t>()) - 97</a:t>
-            </a:r>
-          </a:p>
-          <a:p>
-            <a:r>
-              <a:rPr lang="en-US" sz="1200" dirty="0">
-                <a:latin typeface="Ubuntu Light" panose="020B0604030602030204" pitchFamily="34" charset="0"/>
-              </a:rPr>
-              <a:t>    if index &gt;= 0 and index &lt; 26:</a:t>
-            </a:r>
-          </a:p>
-          <a:p>
-            <a:r>
-              <a:rPr lang="en-US" sz="1200" dirty="0">
-                <a:latin typeface="Ubuntu Light" panose="020B0604030602030204" pitchFamily="34" charset="0"/>
-              </a:rPr>
-              <a:t>      remake += </a:t>
-            </a:r>
-            <a:r>
-              <a:rPr lang="en-US" sz="1200" dirty="0" err="1">
-                <a:latin typeface="Ubuntu Light" panose="020B0604030602030204" pitchFamily="34" charset="0"/>
-              </a:rPr>
-              <a:t>chr</a:t>
-            </a:r>
-            <a:r>
-              <a:rPr lang="en-US" sz="1200" dirty="0">
-                <a:latin typeface="Ubuntu Light" panose="020B0604030602030204" pitchFamily="34" charset="0"/>
-              </a:rPr>
-              <a:t>(((</a:t>
-            </a:r>
-            <a:r>
-              <a:rPr lang="en-US" sz="1200" dirty="0" err="1">
-                <a:latin typeface="Ubuntu Light" panose="020B0604030602030204" pitchFamily="34" charset="0"/>
-              </a:rPr>
-              <a:t>ord</a:t>
-            </a:r>
-            <a:r>
-              <a:rPr lang="en-US" sz="1200" dirty="0">
-                <a:latin typeface="Ubuntu Light" panose="020B0604030602030204" pitchFamily="34" charset="0"/>
-              </a:rPr>
-              <a:t>(s)-97-min_shift)%26)+97)</a:t>
-            </a:r>
-          </a:p>
-          <a:p>
-            <a:r>
-              <a:rPr lang="en-US" sz="1200" dirty="0">
-                <a:latin typeface="Ubuntu Light" panose="020B0604030602030204" pitchFamily="34" charset="0"/>
-              </a:rPr>
-              <a:t>    else:</a:t>
-            </a:r>
-          </a:p>
-          <a:p>
-            <a:r>
-              <a:rPr lang="en-US" sz="1200" dirty="0">
-                <a:latin typeface="Ubuntu Light" panose="020B0604030602030204" pitchFamily="34" charset="0"/>
-              </a:rPr>
-              <a:t>      remake += s</a:t>
-            </a:r>
-          </a:p>
-          <a:p>
-            <a:r>
-              <a:rPr lang="en-US" sz="1200" dirty="0">
-                <a:latin typeface="Ubuntu Light" panose="020B0604030602030204" pitchFamily="34" charset="0"/>
-              </a:rPr>
-              <a:t>  print 'The shift is %d' % </a:t>
-            </a:r>
-            <a:r>
-              <a:rPr lang="en-US" sz="1200" dirty="0" err="1">
-                <a:latin typeface="Ubuntu Light" panose="020B0604030602030204" pitchFamily="34" charset="0"/>
-              </a:rPr>
-              <a:t>min_shift</a:t>
-            </a:r>
-            <a:endParaRPr lang="en-US" sz="1200" dirty="0">
+            <a:endParaRPr lang="en-US" sz="1100" dirty="0">
               <a:latin typeface="Ubuntu Light" panose="020B0604030602030204" pitchFamily="34" charset="0"/>
             </a:endParaRPr>
           </a:p>
           <a:p>
             <a:r>
-              <a:rPr lang="en-US" sz="1200" dirty="0">
+              <a:rPr lang="en-US" sz="1100" dirty="0">
+                <a:latin typeface="Ubuntu Light" panose="020B0604030602030204" pitchFamily="34" charset="0"/>
+              </a:rPr>
+              <a:t>  print 'Original:\n'</a:t>
+            </a:r>
+          </a:p>
+          <a:p>
+            <a:r>
+              <a:rPr lang="en-US" sz="1100" dirty="0">
+                <a:latin typeface="Ubuntu Light" panose="020B0604030602030204" pitchFamily="34" charset="0"/>
+              </a:rPr>
+              <a:t>  print f</a:t>
+            </a:r>
+          </a:p>
+          <a:p>
+            <a:r>
+              <a:rPr lang="en-US" sz="1100" dirty="0">
+                <a:latin typeface="Ubuntu Light" panose="020B0604030602030204" pitchFamily="34" charset="0"/>
+              </a:rPr>
+              <a:t>  print</a:t>
+            </a:r>
+          </a:p>
+          <a:p>
+            <a:r>
+              <a:rPr lang="en-US" sz="1100" dirty="0">
+                <a:latin typeface="Ubuntu Light" panose="020B0604030602030204" pitchFamily="34" charset="0"/>
+              </a:rPr>
+              <a:t>  print 'Decrypted:\n'</a:t>
+            </a:r>
+          </a:p>
+          <a:p>
+            <a:r>
+              <a:rPr lang="en-US" sz="1100" dirty="0">
                 <a:latin typeface="Ubuntu Light" panose="020B0604030602030204" pitchFamily="34" charset="0"/>
               </a:rPr>
               <a:t>  print remake</a:t>
             </a:r>
           </a:p>
           <a:p>
-            <a:r>
-              <a:rPr lang="en-US" sz="1200" dirty="0">
-                <a:latin typeface="Ubuntu Light" panose="020B0604030602030204" pitchFamily="34" charset="0"/>
-              </a:rPr>
-              <a:t>  </a:t>
-            </a:r>
-          </a:p>
-          <a:p>
-            <a:endParaRPr lang="en-US" sz="1200" dirty="0">
+            <a:endParaRPr lang="en-US" sz="1100" dirty="0">
+              <a:latin typeface="Ubuntu Light" panose="020B0604030602030204" pitchFamily="34" charset="0"/>
+            </a:endParaRPr>
+          </a:p>
+          <a:p>
+            <a:endParaRPr lang="en-US" sz="1100" dirty="0">
               <a:latin typeface="Ubuntu Light" panose="020B0604030602030204" pitchFamily="34" charset="0"/>
             </a:endParaRPr>
           </a:p>
@@ -8523,17 +8551,8 @@
               <a:rPr lang="en-US" dirty="0" smtClean="0">
                 <a:latin typeface="Ubuntu Light" panose="020B0604030602030204" pitchFamily="34" charset="0"/>
               </a:rPr>
-              <a:t>Google - </a:t>
-            </a:r>
-            <a:r>
-              <a:rPr lang="en-US" dirty="0" err="1" smtClean="0">
-                <a:latin typeface="Ubuntu Light" panose="020B0604030602030204" pitchFamily="34" charset="0"/>
-              </a:rPr>
-              <a:t>huehue</a:t>
-            </a:r>
-            <a:endParaRPr lang="en-US" dirty="0" smtClean="0">
-              <a:latin typeface="Ubuntu Light" panose="020B0604030602030204" pitchFamily="34" charset="0"/>
-            </a:endParaRPr>
+              <a:t>Google</a:t>
+            </a:r>
           </a:p>
           <a:p>
             <a:r>
@@ -8549,7 +8568,13 @@
               <a:rPr lang="en-US" dirty="0" smtClean="0">
                 <a:latin typeface="Ubuntu Light" panose="020B0604030602030204" pitchFamily="34" charset="0"/>
               </a:rPr>
-              <a:t>Lynda Tutorials</a:t>
+              <a:t>Lynda </a:t>
+            </a:r>
+            <a:r>
+              <a:rPr lang="en-US" dirty="0" smtClean="0">
+                <a:latin typeface="Ubuntu Light" panose="020B0604030602030204" pitchFamily="34" charset="0"/>
+              </a:rPr>
+              <a:t>Tutorials</a:t>
             </a:r>
           </a:p>
           <a:p>
@@ -8886,7 +8911,7 @@
               <a:rPr lang="en-US" dirty="0" smtClean="0">
                 <a:latin typeface="Ubuntu Light" panose="020B0604030602030204" pitchFamily="34" charset="0"/>
               </a:rPr>
-              <a:t>Take it this year with Ian </a:t>
+              <a:t>Take it this year with </a:t>
             </a:r>
             <a:r>
               <a:rPr lang="en-US" dirty="0" err="1" smtClean="0">
@@ -9582,7 +9607,7 @@
         </p:spPr>
         <p:txBody>
           <a:bodyPr>
-            <a:normAutofit lnSpcReduction="10000"/>
+            <a:normAutofit/>
           </a:bodyPr>
           <a:lstStyle/>
           <a:p>
@@ -9633,7 +9658,7 @@
               <a:rPr lang="en-US" dirty="0" smtClean="0">
                 <a:latin typeface="Ubuntu Light" panose="020B0604030602030204" pitchFamily="34" charset="0"/>
               </a:rPr>
-              <a:t>Character Representation</a:t>
+              <a:t>String and Character Representation</a:t>
             </a:r>
           </a:p>
           <a:p>
@@ -9642,23 +9667,6 @@
               <a:rPr lang="en-US" dirty="0" smtClean="0">
                 <a:latin typeface="Ubuntu Light" panose="020B0604030602030204" pitchFamily="34" charset="0"/>
               </a:rPr>
-              <a:t>Python has the char class as its base for characters</a:t>
-            </a:r>
-          </a:p>
-          <a:p>
-            <a:r>
-              <a:rPr lang="en-US" dirty="0" smtClean="0">
-                <a:latin typeface="Ubuntu Light" panose="020B0604030602030204" pitchFamily="34" charset="0"/>
-              </a:rPr>
-              <a:t>String Representation</a:t>
-            </a:r>
-          </a:p>
-          <a:p>
-            <a:pPr lvl="1"/>
-            <a:r>
-              <a:rPr lang="en-US" dirty="0" smtClean="0">
-                <a:latin typeface="Ubuntu Light" panose="020B0604030602030204" pitchFamily="34" charset="0"/>
-              </a:rPr>
               <a:t>Python uses the </a:t>
             </a:r>
             <a:r>
@@ -9671,7 +9679,7 @@
               <a:rPr lang="en-US" dirty="0" smtClean="0">
                 <a:latin typeface="Ubuntu Light" panose="020B0604030602030204" pitchFamily="34" charset="0"/>
               </a:rPr>
-              <a:t> as the base for its strings</a:t>
+              <a:t> as the base for its strings and characters</a:t>
             </a:r>
           </a:p>
           <a:p>
